--- a/docs/Presentación NBI.pptx
+++ b/docs/Presentación NBI.pptx
@@ -240,7 +240,7 @@
           <a:p>
             <a:fld id="{81685B9F-A54B-4AB3-B359-C1E080591790}" type="datetimeFigureOut">
               <a:rPr lang="es-ES" smtClean="0"/>
-              <a:t>17/07/2017</a:t>
+              <a:t>18/07/2017</a:t>
             </a:fld>
             <a:endParaRPr lang="es-ES"/>
           </a:p>
@@ -405,7 +405,7 @@
           <a:p>
             <a:fld id="{A2E2C0C1-F1B5-4B55-A72E-1F5F42B5742B}" type="datetimeFigureOut">
               <a:rPr lang="es-ES" smtClean="0"/>
-              <a:t>17/07/2017</a:t>
+              <a:t>18/07/2017</a:t>
             </a:fld>
             <a:endParaRPr lang="es-ES"/>
           </a:p>
@@ -10482,7 +10482,7 @@
           <a:p>
             <a:fld id="{BC948FCE-C106-4E91-A898-67984B852807}" type="datetime1">
               <a:rPr lang="es-ES_tradnl" smtClean="0"/>
-              <a:t>17/07/2017</a:t>
+              <a:t>18/07/2017</a:t>
             </a:fld>
             <a:endParaRPr lang="es-ES_tradnl"/>
           </a:p>
@@ -11255,7 +11255,7 @@
         </p:blipFill>
         <p:spPr bwMode="auto">
           <a:xfrm>
-            <a:off x="5814504" y="4481327"/>
+            <a:off x="5831757" y="4353160"/>
             <a:ext cx="5046153" cy="1704442"/>
           </a:xfrm>
           <a:prstGeom prst="rect">
@@ -11323,7 +11323,7 @@
         <p:spPr>
           <a:xfrm>
             <a:off x="630610" y="1477612"/>
-            <a:ext cx="11192976" cy="2973618"/>
+            <a:ext cx="11192976" cy="3301422"/>
           </a:xfrm>
         </p:spPr>
         <p:txBody>
@@ -11388,15 +11388,29 @@
             </a:r>
             <a:r>
               <a:rPr lang="es-ES" sz="1600" dirty="0" smtClean="0"/>
-              <a:t>. Otras posibilidades: </a:t>
-            </a:r>
+              <a:t>. </a:t>
+            </a:r>
+            <a:endParaRPr lang="es-ES" sz="1600" dirty="0" smtClean="0"/>
+          </a:p>
+          <a:p>
             <a:r>
               <a:rPr lang="es-ES" sz="1600" dirty="0" err="1" smtClean="0"/>
               <a:t>JQuery</a:t>
             </a:r>
+            <a:endParaRPr lang="es-ES" sz="1600" dirty="0"/>
+          </a:p>
+          <a:p>
             <a:r>
               <a:rPr lang="es-ES" sz="1600" dirty="0" smtClean="0"/>
-              <a:t>, </a:t>
+              <a:t>Otras </a:t>
+            </a:r>
+            <a:r>
+              <a:rPr lang="es-ES" sz="1600" dirty="0" smtClean="0"/>
+              <a:t>posibilidades</a:t>
+            </a:r>
+            <a:r>
+              <a:rPr lang="es-ES" sz="1600" dirty="0" smtClean="0"/>
+              <a:t>: </a:t>
             </a:r>
             <a:r>
               <a:rPr lang="es-ES" sz="1600" dirty="0" err="1" smtClean="0"/>
@@ -11412,7 +11426,11 @@
             </a:r>
             <a:r>
               <a:rPr lang="es-ES" sz="1600" dirty="0" smtClean="0"/>
-              <a:t>, etc.</a:t>
+              <a:t>, etc</a:t>
+            </a:r>
+            <a:r>
+              <a:rPr lang="es-ES" sz="1600" dirty="0" smtClean="0"/>
+              <a:t>.</a:t>
             </a:r>
             <a:endParaRPr lang="es-ES" sz="1600" dirty="0"/>
           </a:p>
@@ -11527,8 +11545,47 @@
         </p:blipFill>
         <p:spPr bwMode="auto">
           <a:xfrm>
-            <a:off x="6427612" y="4664524"/>
+            <a:off x="6544650" y="3209280"/>
             <a:ext cx="3810000" cy="1133476"/>
+          </a:xfrm>
+          <a:prstGeom prst="rect">
+            <a:avLst/>
+          </a:prstGeom>
+          <a:noFill/>
+          <a:extLst>
+            <a:ext uri="{909E8E84-426E-40DD-AFC4-6F175D3DCCD1}">
+              <a14:hiddenFill xmlns:a14="http://schemas.microsoft.com/office/drawing/2010/main">
+                <a:solidFill>
+                  <a:srgbClr val="FFFFFF"/>
+                </a:solidFill>
+              </a14:hiddenFill>
+            </a:ext>
+          </a:extLst>
+        </p:spPr>
+      </p:pic>
+      <p:pic>
+        <p:nvPicPr>
+          <p:cNvPr id="1026" name="Picture 2" descr="http://taswar.zeytinsoft.com/wp-content/uploads/2014/05/jquery-logo.png"/>
+          <p:cNvPicPr>
+            <a:picLocks noChangeAspect="1" noChangeArrowheads="1"/>
+          </p:cNvPicPr>
+          <p:nvPr/>
+        </p:nvPicPr>
+        <p:blipFill rotWithShape="1">
+          <a:blip r:embed="rId3">
+            <a:extLst>
+              <a:ext uri="{28A0092B-C50C-407E-A947-70E740481C1C}">
+                <a14:useLocalDpi xmlns:a14="http://schemas.microsoft.com/office/drawing/2010/main" val="0"/>
+              </a:ext>
+            </a:extLst>
+          </a:blip>
+          <a:srcRect l="2921" t="21239" r="3770" b="18873"/>
+          <a:stretch/>
+        </p:blipFill>
+        <p:spPr bwMode="auto">
+          <a:xfrm>
+            <a:off x="6544650" y="4788892"/>
+            <a:ext cx="3571336" cy="1146082"/>
           </a:xfrm>
           <a:prstGeom prst="rect">
             <a:avLst/>
@@ -11638,6 +11695,13 @@
   <p:clrMapOvr>
     <a:masterClrMapping/>
   </p:clrMapOvr>
+  <p:timing>
+    <p:tnLst>
+      <p:par>
+        <p:cTn id="1" dur="indefinite" restart="never" nodeType="tmRoot"/>
+      </p:par>
+    </p:tnLst>
+  </p:timing>
 </p:sld>
 </file>
 
@@ -11787,7 +11851,19 @@
           <a:p>
             <a:r>
               <a:rPr lang="es-ES" sz="1600" dirty="0" smtClean="0"/>
-              <a:t>Explorar otras técnicas de utilización del NBI.</a:t>
+              <a:t>Explorar otras técnicas </a:t>
+            </a:r>
+            <a:r>
+              <a:rPr lang="es-ES" sz="1600" dirty="0" smtClean="0"/>
+              <a:t>conforme a </a:t>
+            </a:r>
+            <a:r>
+              <a:rPr lang="es-ES" sz="1600" smtClean="0"/>
+              <a:t>necesidades emergentes</a:t>
+            </a:r>
+            <a:r>
+              <a:rPr lang="es-ES" sz="1600" smtClean="0"/>
+              <a:t>.</a:t>
             </a:r>
             <a:endParaRPr lang="es-ES" sz="1600" dirty="0"/>
           </a:p>
@@ -11857,6 +11933,13 @@
   <p:clrMapOvr>
     <a:masterClrMapping/>
   </p:clrMapOvr>
+  <p:timing>
+    <p:tnLst>
+      <p:par>
+        <p:cTn id="1" dur="indefinite" restart="never" nodeType="tmRoot"/>
+      </p:par>
+    </p:tnLst>
+  </p:timing>
 </p:sld>
 </file>
 
@@ -12088,6 +12171,13 @@
   <p:clrMapOvr>
     <a:masterClrMapping/>
   </p:clrMapOvr>
+  <p:timing>
+    <p:tnLst>
+      <p:par>
+        <p:cTn id="1" dur="indefinite" restart="never" nodeType="tmRoot"/>
+      </p:par>
+    </p:tnLst>
+  </p:timing>
 </p:sld>
 </file>
 
@@ -12350,7 +12440,6 @@
               <a:rPr lang="es-ES" dirty="0" smtClean="0"/>
               <a:t>HTTP, XML y SOAP</a:t>
             </a:r>
-            <a:endParaRPr lang="es-ES" dirty="0" smtClean="0"/>
           </a:p>
           <a:p>
             <a:r>
@@ -12537,19 +12626,7 @@
           <a:p>
             <a:r>
               <a:rPr lang="es-ES" dirty="0" smtClean="0"/>
-              <a:t>Uso, a</a:t>
-            </a:r>
-            <a:r>
-              <a:rPr lang="es-ES" dirty="0" smtClean="0"/>
-              <a:t>vances </a:t>
-            </a:r>
-            <a:r>
-              <a:rPr lang="es-ES" dirty="0" smtClean="0"/>
-              <a:t>y </a:t>
-            </a:r>
-            <a:r>
-              <a:rPr lang="es-ES" dirty="0" smtClean="0"/>
-              <a:t>mejoras</a:t>
+              <a:t>Uso, avances y mejoras</a:t>
             </a:r>
           </a:p>
           <a:p>
@@ -13431,11 +13508,7 @@
           <a:p>
             <a:r>
               <a:rPr lang="es-ES" sz="1600" dirty="0" smtClean="0"/>
-              <a:t>Interacción </a:t>
-            </a:r>
-            <a:r>
-              <a:rPr lang="es-ES" sz="1600" dirty="0" smtClean="0"/>
-              <a:t>directa con el NMS de </a:t>
+              <a:t>Interacción directa con el NMS de </a:t>
             </a:r>
             <a:r>
               <a:rPr lang="es-ES" sz="1600" dirty="0" err="1" smtClean="0"/>
@@ -13443,11 +13516,7 @@
             </a:r>
             <a:r>
               <a:rPr lang="es-ES" sz="1600" dirty="0" smtClean="0"/>
-              <a:t>-C mediante comandos, </a:t>
-            </a:r>
-            <a:r>
-              <a:rPr lang="es-ES" sz="1600" dirty="0" smtClean="0"/>
-              <a:t>sin necesidad de usar la interfaz gráfica </a:t>
+              <a:t>-C mediante comandos, sin necesidad de usar la interfaz gráfica </a:t>
             </a:r>
             <a:r>
               <a:rPr lang="es-ES" sz="1600" dirty="0" err="1" smtClean="0"/>
@@ -15234,6 +15303,27 @@
 </file>
 
 <file path=customXml/item1.xml><?xml version="1.0" encoding="utf-8"?>
+<?mso-contentType ?>
+<FormTemplates xmlns="http://schemas.microsoft.com/sharepoint/v3/contenttype/forms">
+  <Display>DocumentLibraryForm</Display>
+  <Edit>DocumentLibraryForm</Edit>
+  <New>DocumentLibraryForm</New>
+</FormTemplates>
+</file>
+
+<file path=customXml/item2.xml><?xml version="1.0" encoding="utf-8"?>
+<p:properties xmlns:p="http://schemas.microsoft.com/office/2006/metadata/properties" xmlns:xsi="http://www.w3.org/2001/XMLSchema-instance" xmlns:pc="http://schemas.microsoft.com/office/infopath/2007/PartnerControls">
+  <documentManagement>
+    <_dlc_DocId xmlns="19ce54cf-4f30-43c9-865e-24de82c380cb">WN64KYY3SQA4-995092170-53</_dlc_DocId>
+    <_dlc_DocIdUrl xmlns="19ce54cf-4f30-43c9-865e-24de82c380cb">
+      <Url>https://w3.hispasat.es/sites/dcom/_layouts/15/DocIdRedir.aspx?ID=WN64KYY3SQA4-995092170-53</Url>
+      <Description>WN64KYY3SQA4-995092170-53</Description>
+    </_dlc_DocIdUrl>
+  </documentManagement>
+</p:properties>
+</file>
+
+<file path=customXml/item3.xml><?xml version="1.0" encoding="utf-8"?>
 <ct:contentTypeSchema xmlns:ct="http://schemas.microsoft.com/office/2006/metadata/contentType" xmlns:ma="http://schemas.microsoft.com/office/2006/metadata/properties/metaAttributes" ct:_="" ma:_="" ma:contentTypeName="Document" ma:contentTypeID="0x010100C443600B658E384D93CA071D778D09E3" ma:contentTypeVersion="0" ma:contentTypeDescription="Create a new document." ma:contentTypeScope="" ma:versionID="ec919bcc8c06685f6be0c4ff45171f84">
   <xsd:schema xmlns:xsd="http://www.w3.org/2001/XMLSchema" xmlns:xs="http://www.w3.org/2001/XMLSchema" xmlns:p="http://schemas.microsoft.com/office/2006/metadata/properties" xmlns:ns2="19ce54cf-4f30-43c9-865e-24de82c380cb" targetNamespace="http://schemas.microsoft.com/office/2006/metadata/properties" ma:root="true" ma:fieldsID="27ed9ec99ee5a7325392c8eb9fce9243" ns2:_="">
     <xsd:import namespace="19ce54cf-4f30-43c9-865e-24de82c380cb"/>
@@ -15378,27 +15468,6 @@
 </ct:contentTypeSchema>
 </file>
 
-<file path=customXml/item2.xml><?xml version="1.0" encoding="utf-8"?>
-<p:properties xmlns:p="http://schemas.microsoft.com/office/2006/metadata/properties" xmlns:xsi="http://www.w3.org/2001/XMLSchema-instance" xmlns:pc="http://schemas.microsoft.com/office/infopath/2007/PartnerControls">
-  <documentManagement>
-    <_dlc_DocId xmlns="19ce54cf-4f30-43c9-865e-24de82c380cb">WN64KYY3SQA4-995092170-53</_dlc_DocId>
-    <_dlc_DocIdUrl xmlns="19ce54cf-4f30-43c9-865e-24de82c380cb">
-      <Url>https://w3.hispasat.es/sites/dcom/_layouts/15/DocIdRedir.aspx?ID=WN64KYY3SQA4-995092170-53</Url>
-      <Description>WN64KYY3SQA4-995092170-53</Description>
-    </_dlc_DocIdUrl>
-  </documentManagement>
-</p:properties>
-</file>
-
-<file path=customXml/item3.xml><?xml version="1.0" encoding="utf-8"?>
-<?mso-contentType ?>
-<FormTemplates xmlns="http://schemas.microsoft.com/sharepoint/v3/contenttype/forms">
-  <Display>DocumentLibraryForm</Display>
-  <Edit>DocumentLibraryForm</Edit>
-  <New>DocumentLibraryForm</New>
-</FormTemplates>
-</file>
-
 <file path=customXml/item4.xml><?xml version="1.0" encoding="utf-8"?>
 <?mso-contentType ?>
 <spe:Receivers xmlns:spe="http://schemas.microsoft.com/sharepoint/events">
@@ -15450,19 +15519,9 @@
 </file>
 
 <file path=customXml/itemProps1.xml><?xml version="1.0" encoding="utf-8"?>
-<ds:datastoreItem xmlns:ds="http://schemas.openxmlformats.org/officeDocument/2006/customXml" ds:itemID="{545646AB-F8D3-4A58-83FB-B7A7B18FD3F1}">
+<ds:datastoreItem xmlns:ds="http://schemas.openxmlformats.org/officeDocument/2006/customXml" ds:itemID="{CBAAA04D-7352-4B9D-93EF-39D64BE3298F}">
   <ds:schemaRefs>
-    <ds:schemaRef ds:uri="http://schemas.microsoft.com/office/2006/metadata/contentType"/>
-    <ds:schemaRef ds:uri="http://schemas.microsoft.com/office/2006/metadata/properties/metaAttributes"/>
-    <ds:schemaRef ds:uri="http://www.w3.org/2001/XMLSchema"/>
-    <ds:schemaRef ds:uri="http://schemas.microsoft.com/office/2006/metadata/properties"/>
-    <ds:schemaRef ds:uri="19ce54cf-4f30-43c9-865e-24de82c380cb"/>
-    <ds:schemaRef ds:uri="http://schemas.microsoft.com/office/2006/documentManagement/types"/>
-    <ds:schemaRef ds:uri="http://schemas.microsoft.com/office/infopath/2007/PartnerControls"/>
-    <ds:schemaRef ds:uri="http://schemas.openxmlformats.org/package/2006/metadata/core-properties"/>
-    <ds:schemaRef ds:uri="http://purl.org/dc/elements/1.1/"/>
-    <ds:schemaRef ds:uri="http://purl.org/dc/terms/"/>
-    <ds:schemaRef ds:uri="http://schemas.microsoft.com/internal/obd"/>
+    <ds:schemaRef ds:uri="http://schemas.microsoft.com/sharepoint/v3/contenttype/forms"/>
   </ds:schemaRefs>
 </ds:datastoreItem>
 </file>
@@ -15484,9 +15543,19 @@
 </file>
 
 <file path=customXml/itemProps3.xml><?xml version="1.0" encoding="utf-8"?>
-<ds:datastoreItem xmlns:ds="http://schemas.openxmlformats.org/officeDocument/2006/customXml" ds:itemID="{CBAAA04D-7352-4B9D-93EF-39D64BE3298F}">
+<ds:datastoreItem xmlns:ds="http://schemas.openxmlformats.org/officeDocument/2006/customXml" ds:itemID="{545646AB-F8D3-4A58-83FB-B7A7B18FD3F1}">
   <ds:schemaRefs>
-    <ds:schemaRef ds:uri="http://schemas.microsoft.com/sharepoint/v3/contenttype/forms"/>
+    <ds:schemaRef ds:uri="http://schemas.microsoft.com/office/2006/metadata/contentType"/>
+    <ds:schemaRef ds:uri="http://schemas.microsoft.com/office/2006/metadata/properties/metaAttributes"/>
+    <ds:schemaRef ds:uri="http://www.w3.org/2001/XMLSchema"/>
+    <ds:schemaRef ds:uri="http://schemas.microsoft.com/office/2006/metadata/properties"/>
+    <ds:schemaRef ds:uri="19ce54cf-4f30-43c9-865e-24de82c380cb"/>
+    <ds:schemaRef ds:uri="http://schemas.microsoft.com/office/2006/documentManagement/types"/>
+    <ds:schemaRef ds:uri="http://schemas.microsoft.com/office/infopath/2007/PartnerControls"/>
+    <ds:schemaRef ds:uri="http://schemas.openxmlformats.org/package/2006/metadata/core-properties"/>
+    <ds:schemaRef ds:uri="http://purl.org/dc/elements/1.1/"/>
+    <ds:schemaRef ds:uri="http://purl.org/dc/terms/"/>
+    <ds:schemaRef ds:uri="http://schemas.microsoft.com/internal/obd"/>
   </ds:schemaRefs>
 </ds:datastoreItem>
 </file>

--- a/docs/Presentación NBI.pptx
+++ b/docs/Presentación NBI.pptx
@@ -240,7 +240,7 @@
           <a:p>
             <a:fld id="{81685B9F-A54B-4AB3-B359-C1E080591790}" type="datetimeFigureOut">
               <a:rPr lang="es-ES" smtClean="0"/>
-              <a:t>18/07/2017</a:t>
+              <a:t>20/07/2017</a:t>
             </a:fld>
             <a:endParaRPr lang="es-ES"/>
           </a:p>
@@ -405,7 +405,7 @@
           <a:p>
             <a:fld id="{A2E2C0C1-F1B5-4B55-A72E-1F5F42B5742B}" type="datetimeFigureOut">
               <a:rPr lang="es-ES" smtClean="0"/>
-              <a:t>18/07/2017</a:t>
+              <a:t>20/07/2017</a:t>
             </a:fld>
             <a:endParaRPr lang="es-ES"/>
           </a:p>
@@ -10482,7 +10482,7 @@
           <a:p>
             <a:fld id="{BC948FCE-C106-4E91-A898-67984B852807}" type="datetime1">
               <a:rPr lang="es-ES_tradnl" smtClean="0"/>
-              <a:t>18/07/2017</a:t>
+              <a:t>20/07/2017</a:t>
             </a:fld>
             <a:endParaRPr lang="es-ES_tradnl"/>
           </a:p>
@@ -11390,7 +11390,6 @@
               <a:rPr lang="es-ES" sz="1600" dirty="0" smtClean="0"/>
               <a:t>. </a:t>
             </a:r>
-            <a:endParaRPr lang="es-ES" sz="1600" dirty="0" smtClean="0"/>
           </a:p>
           <a:p>
             <a:r>
@@ -11402,15 +11401,7 @@
           <a:p>
             <a:r>
               <a:rPr lang="es-ES" sz="1600" dirty="0" smtClean="0"/>
-              <a:t>Otras </a:t>
-            </a:r>
-            <a:r>
-              <a:rPr lang="es-ES" sz="1600" dirty="0" smtClean="0"/>
-              <a:t>posibilidades</a:t>
-            </a:r>
-            <a:r>
-              <a:rPr lang="es-ES" sz="1600" dirty="0" smtClean="0"/>
-              <a:t>: </a:t>
+              <a:t>Otras posibilidades: </a:t>
             </a:r>
             <a:r>
               <a:rPr lang="es-ES" sz="1600" dirty="0" err="1" smtClean="0"/>
@@ -11426,11 +11417,7 @@
             </a:r>
             <a:r>
               <a:rPr lang="es-ES" sz="1600" dirty="0" smtClean="0"/>
-              <a:t>, etc</a:t>
-            </a:r>
-            <a:r>
-              <a:rPr lang="es-ES" sz="1600" dirty="0" smtClean="0"/>
-              <a:t>.</a:t>
+              <a:t>, etc.</a:t>
             </a:r>
             <a:endParaRPr lang="es-ES" sz="1600" dirty="0"/>
           </a:p>
@@ -11837,6 +11824,29 @@
           <a:p>
             <a:r>
               <a:rPr lang="es-ES" sz="1600" dirty="0" smtClean="0"/>
+              <a:t>Abrir el repositorio </a:t>
+            </a:r>
+            <a:r>
+              <a:rPr lang="es-ES" sz="1600" dirty="0" err="1" smtClean="0"/>
+              <a:t>GitHub</a:t>
+            </a:r>
+            <a:r>
+              <a:rPr lang="es-ES" sz="1600" dirty="0" smtClean="0"/>
+              <a:t> del proyecto a Open </a:t>
+            </a:r>
+            <a:r>
+              <a:rPr lang="es-ES" sz="1600" dirty="0" err="1" smtClean="0"/>
+              <a:t>Source</a:t>
+            </a:r>
+            <a:r>
+              <a:rPr lang="es-ES" sz="1600" dirty="0" smtClean="0"/>
+              <a:t>.</a:t>
+            </a:r>
+            <a:endParaRPr lang="es-ES" sz="1600" dirty="0" smtClean="0"/>
+          </a:p>
+          <a:p>
+            <a:r>
+              <a:rPr lang="es-ES" sz="1600" dirty="0" smtClean="0"/>
               <a:t>Trabajar con </a:t>
             </a:r>
             <a:r>
@@ -11845,25 +11855,18 @@
             </a:r>
             <a:r>
               <a:rPr lang="es-ES" sz="1600" dirty="0" smtClean="0"/>
-              <a:t> en algunas mejoras del NBI.</a:t>
-            </a:r>
-          </a:p>
-          <a:p>
+              <a:t> en algunas mejoras del NBI</a:t>
+            </a:r>
             <a:r>
               <a:rPr lang="es-ES" sz="1600" dirty="0" smtClean="0"/>
-              <a:t>Explorar otras técnicas </a:t>
-            </a:r>
+              <a:t>.</a:t>
+            </a:r>
+            <a:endParaRPr lang="es-ES" sz="1600" dirty="0" smtClean="0"/>
+          </a:p>
+          <a:p>
             <a:r>
               <a:rPr lang="es-ES" sz="1600" dirty="0" smtClean="0"/>
-              <a:t>conforme a </a:t>
-            </a:r>
-            <a:r>
-              <a:rPr lang="es-ES" sz="1600" smtClean="0"/>
-              <a:t>necesidades emergentes</a:t>
-            </a:r>
-            <a:r>
-              <a:rPr lang="es-ES" sz="1600" smtClean="0"/>
-              <a:t>.</a:t>
+              <a:t>Explorar otras técnicas conforme a necesidades emergentes.</a:t>
             </a:r>
             <a:endParaRPr lang="es-ES" sz="1600" dirty="0"/>
           </a:p>
@@ -15303,27 +15306,6 @@
 </file>
 
 <file path=customXml/item1.xml><?xml version="1.0" encoding="utf-8"?>
-<?mso-contentType ?>
-<FormTemplates xmlns="http://schemas.microsoft.com/sharepoint/v3/contenttype/forms">
-  <Display>DocumentLibraryForm</Display>
-  <Edit>DocumentLibraryForm</Edit>
-  <New>DocumentLibraryForm</New>
-</FormTemplates>
-</file>
-
-<file path=customXml/item2.xml><?xml version="1.0" encoding="utf-8"?>
-<p:properties xmlns:p="http://schemas.microsoft.com/office/2006/metadata/properties" xmlns:xsi="http://www.w3.org/2001/XMLSchema-instance" xmlns:pc="http://schemas.microsoft.com/office/infopath/2007/PartnerControls">
-  <documentManagement>
-    <_dlc_DocId xmlns="19ce54cf-4f30-43c9-865e-24de82c380cb">WN64KYY3SQA4-995092170-53</_dlc_DocId>
-    <_dlc_DocIdUrl xmlns="19ce54cf-4f30-43c9-865e-24de82c380cb">
-      <Url>https://w3.hispasat.es/sites/dcom/_layouts/15/DocIdRedir.aspx?ID=WN64KYY3SQA4-995092170-53</Url>
-      <Description>WN64KYY3SQA4-995092170-53</Description>
-    </_dlc_DocIdUrl>
-  </documentManagement>
-</p:properties>
-</file>
-
-<file path=customXml/item3.xml><?xml version="1.0" encoding="utf-8"?>
 <ct:contentTypeSchema xmlns:ct="http://schemas.microsoft.com/office/2006/metadata/contentType" xmlns:ma="http://schemas.microsoft.com/office/2006/metadata/properties/metaAttributes" ct:_="" ma:_="" ma:contentTypeName="Document" ma:contentTypeID="0x010100C443600B658E384D93CA071D778D09E3" ma:contentTypeVersion="0" ma:contentTypeDescription="Create a new document." ma:contentTypeScope="" ma:versionID="ec919bcc8c06685f6be0c4ff45171f84">
   <xsd:schema xmlns:xsd="http://www.w3.org/2001/XMLSchema" xmlns:xs="http://www.w3.org/2001/XMLSchema" xmlns:p="http://schemas.microsoft.com/office/2006/metadata/properties" xmlns:ns2="19ce54cf-4f30-43c9-865e-24de82c380cb" targetNamespace="http://schemas.microsoft.com/office/2006/metadata/properties" ma:root="true" ma:fieldsID="27ed9ec99ee5a7325392c8eb9fce9243" ns2:_="">
     <xsd:import namespace="19ce54cf-4f30-43c9-865e-24de82c380cb"/>
@@ -15468,6 +15450,27 @@
 </ct:contentTypeSchema>
 </file>
 
+<file path=customXml/item2.xml><?xml version="1.0" encoding="utf-8"?>
+<p:properties xmlns:p="http://schemas.microsoft.com/office/2006/metadata/properties" xmlns:xsi="http://www.w3.org/2001/XMLSchema-instance" xmlns:pc="http://schemas.microsoft.com/office/infopath/2007/PartnerControls">
+  <documentManagement>
+    <_dlc_DocId xmlns="19ce54cf-4f30-43c9-865e-24de82c380cb">WN64KYY3SQA4-995092170-53</_dlc_DocId>
+    <_dlc_DocIdUrl xmlns="19ce54cf-4f30-43c9-865e-24de82c380cb">
+      <Url>https://w3.hispasat.es/sites/dcom/_layouts/15/DocIdRedir.aspx?ID=WN64KYY3SQA4-995092170-53</Url>
+      <Description>WN64KYY3SQA4-995092170-53</Description>
+    </_dlc_DocIdUrl>
+  </documentManagement>
+</p:properties>
+</file>
+
+<file path=customXml/item3.xml><?xml version="1.0" encoding="utf-8"?>
+<?mso-contentType ?>
+<FormTemplates xmlns="http://schemas.microsoft.com/sharepoint/v3/contenttype/forms">
+  <Display>DocumentLibraryForm</Display>
+  <Edit>DocumentLibraryForm</Edit>
+  <New>DocumentLibraryForm</New>
+</FormTemplates>
+</file>
+
 <file path=customXml/item4.xml><?xml version="1.0" encoding="utf-8"?>
 <?mso-contentType ?>
 <spe:Receivers xmlns:spe="http://schemas.microsoft.com/sharepoint/events">
@@ -15519,9 +15522,19 @@
 </file>
 
 <file path=customXml/itemProps1.xml><?xml version="1.0" encoding="utf-8"?>
-<ds:datastoreItem xmlns:ds="http://schemas.openxmlformats.org/officeDocument/2006/customXml" ds:itemID="{CBAAA04D-7352-4B9D-93EF-39D64BE3298F}">
+<ds:datastoreItem xmlns:ds="http://schemas.openxmlformats.org/officeDocument/2006/customXml" ds:itemID="{545646AB-F8D3-4A58-83FB-B7A7B18FD3F1}">
   <ds:schemaRefs>
-    <ds:schemaRef ds:uri="http://schemas.microsoft.com/sharepoint/v3/contenttype/forms"/>
+    <ds:schemaRef ds:uri="http://schemas.microsoft.com/office/2006/metadata/contentType"/>
+    <ds:schemaRef ds:uri="http://schemas.microsoft.com/office/2006/metadata/properties/metaAttributes"/>
+    <ds:schemaRef ds:uri="http://www.w3.org/2001/XMLSchema"/>
+    <ds:schemaRef ds:uri="http://schemas.microsoft.com/office/2006/metadata/properties"/>
+    <ds:schemaRef ds:uri="19ce54cf-4f30-43c9-865e-24de82c380cb"/>
+    <ds:schemaRef ds:uri="http://schemas.microsoft.com/office/2006/documentManagement/types"/>
+    <ds:schemaRef ds:uri="http://schemas.microsoft.com/office/infopath/2007/PartnerControls"/>
+    <ds:schemaRef ds:uri="http://schemas.openxmlformats.org/package/2006/metadata/core-properties"/>
+    <ds:schemaRef ds:uri="http://purl.org/dc/elements/1.1/"/>
+    <ds:schemaRef ds:uri="http://purl.org/dc/terms/"/>
+    <ds:schemaRef ds:uri="http://schemas.microsoft.com/internal/obd"/>
   </ds:schemaRefs>
 </ds:datastoreItem>
 </file>
@@ -15543,19 +15556,9 @@
 </file>
 
 <file path=customXml/itemProps3.xml><?xml version="1.0" encoding="utf-8"?>
-<ds:datastoreItem xmlns:ds="http://schemas.openxmlformats.org/officeDocument/2006/customXml" ds:itemID="{545646AB-F8D3-4A58-83FB-B7A7B18FD3F1}">
+<ds:datastoreItem xmlns:ds="http://schemas.openxmlformats.org/officeDocument/2006/customXml" ds:itemID="{CBAAA04D-7352-4B9D-93EF-39D64BE3298F}">
   <ds:schemaRefs>
-    <ds:schemaRef ds:uri="http://schemas.microsoft.com/office/2006/metadata/contentType"/>
-    <ds:schemaRef ds:uri="http://schemas.microsoft.com/office/2006/metadata/properties/metaAttributes"/>
-    <ds:schemaRef ds:uri="http://www.w3.org/2001/XMLSchema"/>
-    <ds:schemaRef ds:uri="http://schemas.microsoft.com/office/2006/metadata/properties"/>
-    <ds:schemaRef ds:uri="19ce54cf-4f30-43c9-865e-24de82c380cb"/>
-    <ds:schemaRef ds:uri="http://schemas.microsoft.com/office/2006/documentManagement/types"/>
-    <ds:schemaRef ds:uri="http://schemas.microsoft.com/office/infopath/2007/PartnerControls"/>
-    <ds:schemaRef ds:uri="http://schemas.openxmlformats.org/package/2006/metadata/core-properties"/>
-    <ds:schemaRef ds:uri="http://purl.org/dc/elements/1.1/"/>
-    <ds:schemaRef ds:uri="http://purl.org/dc/terms/"/>
-    <ds:schemaRef ds:uri="http://schemas.microsoft.com/internal/obd"/>
+    <ds:schemaRef ds:uri="http://schemas.microsoft.com/sharepoint/v3/contenttype/forms"/>
   </ds:schemaRefs>
 </ds:datastoreItem>
 </file>

--- a/docs/Presentación NBI.pptx
+++ b/docs/Presentación NBI.pptx
@@ -240,7 +240,7 @@
           <a:p>
             <a:fld id="{81685B9F-A54B-4AB3-B359-C1E080591790}" type="datetimeFigureOut">
               <a:rPr lang="es-ES" smtClean="0"/>
-              <a:t>20/07/2017</a:t>
+              <a:t>26/07/2017</a:t>
             </a:fld>
             <a:endParaRPr lang="es-ES"/>
           </a:p>
@@ -405,7 +405,7 @@
           <a:p>
             <a:fld id="{A2E2C0C1-F1B5-4B55-A72E-1F5F42B5742B}" type="datetimeFigureOut">
               <a:rPr lang="es-ES" smtClean="0"/>
-              <a:t>20/07/2017</a:t>
+              <a:t>26/07/2017</a:t>
             </a:fld>
             <a:endParaRPr lang="es-ES"/>
           </a:p>
@@ -10482,7 +10482,7 @@
           <a:p>
             <a:fld id="{BC948FCE-C106-4E91-A898-67984B852807}" type="datetime1">
               <a:rPr lang="es-ES_tradnl" smtClean="0"/>
-              <a:t>20/07/2017</a:t>
+              <a:t>26/07/2017</a:t>
             </a:fld>
             <a:endParaRPr lang="es-ES_tradnl"/>
           </a:p>
@@ -10965,7 +10965,7 @@
           <a:p>
             <a:r>
               <a:rPr lang="es-ES" dirty="0" smtClean="0"/>
-              <a:t>19/07/2017</a:t>
+              <a:t>28/07/2017</a:t>
             </a:r>
             <a:endParaRPr lang="es-ES" dirty="0"/>
           </a:p>
@@ -11842,7 +11842,6 @@
               <a:rPr lang="es-ES" sz="1600" dirty="0" smtClean="0"/>
               <a:t>.</a:t>
             </a:r>
-            <a:endParaRPr lang="es-ES" sz="1600" dirty="0" smtClean="0"/>
           </a:p>
           <a:p>
             <a:r>
@@ -11855,13 +11854,8 @@
             </a:r>
             <a:r>
               <a:rPr lang="es-ES" sz="1600" dirty="0" smtClean="0"/>
-              <a:t> en algunas mejoras del NBI</a:t>
-            </a:r>
-            <a:r>
-              <a:rPr lang="es-ES" sz="1600" dirty="0" smtClean="0"/>
-              <a:t>.</a:t>
-            </a:r>
-            <a:endParaRPr lang="es-ES" sz="1600" dirty="0" smtClean="0"/>
+              <a:t> en algunas mejoras del NBI.</a:t>
+            </a:r>
           </a:p>
           <a:p>
             <a:r>
@@ -12797,7 +12791,27 @@
                 <a:latin typeface="Calibri" panose="020F0502020204030204" pitchFamily="34" charset="0"/>
                 <a:ea typeface="Calibri" panose="020F0502020204030204" pitchFamily="34" charset="0"/>
               </a:rPr>
-              <a:t>Los objetivos de esta presentación son:</a:t>
+              <a:t>Los objetivos de </a:t>
+            </a:r>
+            <a:r>
+              <a:rPr lang="es-ES" sz="1600" dirty="0" smtClean="0">
+                <a:solidFill>
+                  <a:srgbClr val="1F497D"/>
+                </a:solidFill>
+                <a:latin typeface="Calibri" panose="020F0502020204030204" pitchFamily="34" charset="0"/>
+                <a:ea typeface="Calibri" panose="020F0502020204030204" pitchFamily="34" charset="0"/>
+              </a:rPr>
+              <a:t>este proyecto </a:t>
+            </a:r>
+            <a:r>
+              <a:rPr lang="es-ES" sz="1600" dirty="0" smtClean="0">
+                <a:solidFill>
+                  <a:srgbClr val="1F497D"/>
+                </a:solidFill>
+                <a:latin typeface="Calibri" panose="020F0502020204030204" pitchFamily="34" charset="0"/>
+                <a:ea typeface="Calibri" panose="020F0502020204030204" pitchFamily="34" charset="0"/>
+              </a:rPr>
+              <a:t>son:</a:t>
             </a:r>
             <a:endParaRPr lang="es-ES" sz="1800" dirty="0">
               <a:latin typeface="Times New Roman" panose="02020603050405020304" pitchFamily="18" charset="0"/>
@@ -15306,6 +15320,27 @@
 </file>
 
 <file path=customXml/item1.xml><?xml version="1.0" encoding="utf-8"?>
+<?mso-contentType ?>
+<FormTemplates xmlns="http://schemas.microsoft.com/sharepoint/v3/contenttype/forms">
+  <Display>DocumentLibraryForm</Display>
+  <Edit>DocumentLibraryForm</Edit>
+  <New>DocumentLibraryForm</New>
+</FormTemplates>
+</file>
+
+<file path=customXml/item2.xml><?xml version="1.0" encoding="utf-8"?>
+<p:properties xmlns:p="http://schemas.microsoft.com/office/2006/metadata/properties" xmlns:xsi="http://www.w3.org/2001/XMLSchema-instance" xmlns:pc="http://schemas.microsoft.com/office/infopath/2007/PartnerControls">
+  <documentManagement>
+    <_dlc_DocId xmlns="19ce54cf-4f30-43c9-865e-24de82c380cb">WN64KYY3SQA4-995092170-53</_dlc_DocId>
+    <_dlc_DocIdUrl xmlns="19ce54cf-4f30-43c9-865e-24de82c380cb">
+      <Url>https://w3.hispasat.es/sites/dcom/_layouts/15/DocIdRedir.aspx?ID=WN64KYY3SQA4-995092170-53</Url>
+      <Description>WN64KYY3SQA4-995092170-53</Description>
+    </_dlc_DocIdUrl>
+  </documentManagement>
+</p:properties>
+</file>
+
+<file path=customXml/item3.xml><?xml version="1.0" encoding="utf-8"?>
 <ct:contentTypeSchema xmlns:ct="http://schemas.microsoft.com/office/2006/metadata/contentType" xmlns:ma="http://schemas.microsoft.com/office/2006/metadata/properties/metaAttributes" ct:_="" ma:_="" ma:contentTypeName="Document" ma:contentTypeID="0x010100C443600B658E384D93CA071D778D09E3" ma:contentTypeVersion="0" ma:contentTypeDescription="Create a new document." ma:contentTypeScope="" ma:versionID="ec919bcc8c06685f6be0c4ff45171f84">
   <xsd:schema xmlns:xsd="http://www.w3.org/2001/XMLSchema" xmlns:xs="http://www.w3.org/2001/XMLSchema" xmlns:p="http://schemas.microsoft.com/office/2006/metadata/properties" xmlns:ns2="19ce54cf-4f30-43c9-865e-24de82c380cb" targetNamespace="http://schemas.microsoft.com/office/2006/metadata/properties" ma:root="true" ma:fieldsID="27ed9ec99ee5a7325392c8eb9fce9243" ns2:_="">
     <xsd:import namespace="19ce54cf-4f30-43c9-865e-24de82c380cb"/>
@@ -15450,27 +15485,6 @@
 </ct:contentTypeSchema>
 </file>
 
-<file path=customXml/item2.xml><?xml version="1.0" encoding="utf-8"?>
-<p:properties xmlns:p="http://schemas.microsoft.com/office/2006/metadata/properties" xmlns:xsi="http://www.w3.org/2001/XMLSchema-instance" xmlns:pc="http://schemas.microsoft.com/office/infopath/2007/PartnerControls">
-  <documentManagement>
-    <_dlc_DocId xmlns="19ce54cf-4f30-43c9-865e-24de82c380cb">WN64KYY3SQA4-995092170-53</_dlc_DocId>
-    <_dlc_DocIdUrl xmlns="19ce54cf-4f30-43c9-865e-24de82c380cb">
-      <Url>https://w3.hispasat.es/sites/dcom/_layouts/15/DocIdRedir.aspx?ID=WN64KYY3SQA4-995092170-53</Url>
-      <Description>WN64KYY3SQA4-995092170-53</Description>
-    </_dlc_DocIdUrl>
-  </documentManagement>
-</p:properties>
-</file>
-
-<file path=customXml/item3.xml><?xml version="1.0" encoding="utf-8"?>
-<?mso-contentType ?>
-<FormTemplates xmlns="http://schemas.microsoft.com/sharepoint/v3/contenttype/forms">
-  <Display>DocumentLibraryForm</Display>
-  <Edit>DocumentLibraryForm</Edit>
-  <New>DocumentLibraryForm</New>
-</FormTemplates>
-</file>
-
 <file path=customXml/item4.xml><?xml version="1.0" encoding="utf-8"?>
 <?mso-contentType ?>
 <spe:Receivers xmlns:spe="http://schemas.microsoft.com/sharepoint/events">
@@ -15522,19 +15536,9 @@
 </file>
 
 <file path=customXml/itemProps1.xml><?xml version="1.0" encoding="utf-8"?>
-<ds:datastoreItem xmlns:ds="http://schemas.openxmlformats.org/officeDocument/2006/customXml" ds:itemID="{545646AB-F8D3-4A58-83FB-B7A7B18FD3F1}">
+<ds:datastoreItem xmlns:ds="http://schemas.openxmlformats.org/officeDocument/2006/customXml" ds:itemID="{CBAAA04D-7352-4B9D-93EF-39D64BE3298F}">
   <ds:schemaRefs>
-    <ds:schemaRef ds:uri="http://schemas.microsoft.com/office/2006/metadata/contentType"/>
-    <ds:schemaRef ds:uri="http://schemas.microsoft.com/office/2006/metadata/properties/metaAttributes"/>
-    <ds:schemaRef ds:uri="http://www.w3.org/2001/XMLSchema"/>
-    <ds:schemaRef ds:uri="http://schemas.microsoft.com/office/2006/metadata/properties"/>
-    <ds:schemaRef ds:uri="19ce54cf-4f30-43c9-865e-24de82c380cb"/>
-    <ds:schemaRef ds:uri="http://schemas.microsoft.com/office/2006/documentManagement/types"/>
-    <ds:schemaRef ds:uri="http://schemas.microsoft.com/office/infopath/2007/PartnerControls"/>
-    <ds:schemaRef ds:uri="http://schemas.openxmlformats.org/package/2006/metadata/core-properties"/>
-    <ds:schemaRef ds:uri="http://purl.org/dc/elements/1.1/"/>
-    <ds:schemaRef ds:uri="http://purl.org/dc/terms/"/>
-    <ds:schemaRef ds:uri="http://schemas.microsoft.com/internal/obd"/>
+    <ds:schemaRef ds:uri="http://schemas.microsoft.com/sharepoint/v3/contenttype/forms"/>
   </ds:schemaRefs>
 </ds:datastoreItem>
 </file>
@@ -15556,9 +15560,19 @@
 </file>
 
 <file path=customXml/itemProps3.xml><?xml version="1.0" encoding="utf-8"?>
-<ds:datastoreItem xmlns:ds="http://schemas.openxmlformats.org/officeDocument/2006/customXml" ds:itemID="{CBAAA04D-7352-4B9D-93EF-39D64BE3298F}">
+<ds:datastoreItem xmlns:ds="http://schemas.openxmlformats.org/officeDocument/2006/customXml" ds:itemID="{545646AB-F8D3-4A58-83FB-B7A7B18FD3F1}">
   <ds:schemaRefs>
-    <ds:schemaRef ds:uri="http://schemas.microsoft.com/sharepoint/v3/contenttype/forms"/>
+    <ds:schemaRef ds:uri="http://schemas.microsoft.com/office/2006/metadata/contentType"/>
+    <ds:schemaRef ds:uri="http://schemas.microsoft.com/office/2006/metadata/properties/metaAttributes"/>
+    <ds:schemaRef ds:uri="http://www.w3.org/2001/XMLSchema"/>
+    <ds:schemaRef ds:uri="http://schemas.microsoft.com/office/2006/metadata/properties"/>
+    <ds:schemaRef ds:uri="19ce54cf-4f30-43c9-865e-24de82c380cb"/>
+    <ds:schemaRef ds:uri="http://schemas.microsoft.com/office/2006/documentManagement/types"/>
+    <ds:schemaRef ds:uri="http://schemas.microsoft.com/office/infopath/2007/PartnerControls"/>
+    <ds:schemaRef ds:uri="http://schemas.openxmlformats.org/package/2006/metadata/core-properties"/>
+    <ds:schemaRef ds:uri="http://purl.org/dc/elements/1.1/"/>
+    <ds:schemaRef ds:uri="http://purl.org/dc/terms/"/>
+    <ds:schemaRef ds:uri="http://schemas.microsoft.com/internal/obd"/>
   </ds:schemaRefs>
 </ds:datastoreItem>
 </file>
